--- a/Individual Journey (70%)/What i have to do.pptx
+++ b/Individual Journey (70%)/What i have to do.pptx
@@ -108,6 +108,11 @@
       </a:defRPr>
     </a:lvl9pPr>
   </p:defaultTextStyle>
+  <p:extLst>
+    <p:ext uri="{EFAFB233-063F-42B5-8137-9DF3F51BA10A}">
+      <p15:sldGuideLst xmlns:p15="http://schemas.microsoft.com/office/powerpoint/2012/main"/>
+    </p:ext>
+  </p:extLst>
 </p:presentation>
 </file>
 
@@ -260,7 +265,7 @@
           <a:p>
             <a:fld id="{BFF93719-C86A-462A-9DF8-D244860981F9}" type="datetimeFigureOut">
               <a:rPr lang="en-GB" smtClean="0"/>
-              <a:t>02/04/2025</a:t>
+              <a:t>29/04/2025</a:t>
             </a:fld>
             <a:endParaRPr lang="en-GB"/>
           </a:p>
@@ -460,7 +465,7 @@
           <a:p>
             <a:fld id="{BFF93719-C86A-462A-9DF8-D244860981F9}" type="datetimeFigureOut">
               <a:rPr lang="en-GB" smtClean="0"/>
-              <a:t>02/04/2025</a:t>
+              <a:t>29/04/2025</a:t>
             </a:fld>
             <a:endParaRPr lang="en-GB"/>
           </a:p>
@@ -670,7 +675,7 @@
           <a:p>
             <a:fld id="{BFF93719-C86A-462A-9DF8-D244860981F9}" type="datetimeFigureOut">
               <a:rPr lang="en-GB" smtClean="0"/>
-              <a:t>02/04/2025</a:t>
+              <a:t>29/04/2025</a:t>
             </a:fld>
             <a:endParaRPr lang="en-GB"/>
           </a:p>
@@ -870,7 +875,7 @@
           <a:p>
             <a:fld id="{BFF93719-C86A-462A-9DF8-D244860981F9}" type="datetimeFigureOut">
               <a:rPr lang="en-GB" smtClean="0"/>
-              <a:t>02/04/2025</a:t>
+              <a:t>29/04/2025</a:t>
             </a:fld>
             <a:endParaRPr lang="en-GB"/>
           </a:p>
@@ -1146,7 +1151,7 @@
           <a:p>
             <a:fld id="{BFF93719-C86A-462A-9DF8-D244860981F9}" type="datetimeFigureOut">
               <a:rPr lang="en-GB" smtClean="0"/>
-              <a:t>02/04/2025</a:t>
+              <a:t>29/04/2025</a:t>
             </a:fld>
             <a:endParaRPr lang="en-GB"/>
           </a:p>
@@ -1414,7 +1419,7 @@
           <a:p>
             <a:fld id="{BFF93719-C86A-462A-9DF8-D244860981F9}" type="datetimeFigureOut">
               <a:rPr lang="en-GB" smtClean="0"/>
-              <a:t>02/04/2025</a:t>
+              <a:t>29/04/2025</a:t>
             </a:fld>
             <a:endParaRPr lang="en-GB"/>
           </a:p>
@@ -1829,7 +1834,7 @@
           <a:p>
             <a:fld id="{BFF93719-C86A-462A-9DF8-D244860981F9}" type="datetimeFigureOut">
               <a:rPr lang="en-GB" smtClean="0"/>
-              <a:t>02/04/2025</a:t>
+              <a:t>29/04/2025</a:t>
             </a:fld>
             <a:endParaRPr lang="en-GB"/>
           </a:p>
@@ -1971,7 +1976,7 @@
           <a:p>
             <a:fld id="{BFF93719-C86A-462A-9DF8-D244860981F9}" type="datetimeFigureOut">
               <a:rPr lang="en-GB" smtClean="0"/>
-              <a:t>02/04/2025</a:t>
+              <a:t>29/04/2025</a:t>
             </a:fld>
             <a:endParaRPr lang="en-GB"/>
           </a:p>
@@ -2084,7 +2089,7 @@
           <a:p>
             <a:fld id="{BFF93719-C86A-462A-9DF8-D244860981F9}" type="datetimeFigureOut">
               <a:rPr lang="en-GB" smtClean="0"/>
-              <a:t>02/04/2025</a:t>
+              <a:t>29/04/2025</a:t>
             </a:fld>
             <a:endParaRPr lang="en-GB"/>
           </a:p>
@@ -2397,7 +2402,7 @@
           <a:p>
             <a:fld id="{BFF93719-C86A-462A-9DF8-D244860981F9}" type="datetimeFigureOut">
               <a:rPr lang="en-GB" smtClean="0"/>
-              <a:t>02/04/2025</a:t>
+              <a:t>29/04/2025</a:t>
             </a:fld>
             <a:endParaRPr lang="en-GB"/>
           </a:p>
@@ -2686,7 +2691,7 @@
           <a:p>
             <a:fld id="{BFF93719-C86A-462A-9DF8-D244860981F9}" type="datetimeFigureOut">
               <a:rPr lang="en-GB" smtClean="0"/>
-              <a:t>02/04/2025</a:t>
+              <a:t>29/04/2025</a:t>
             </a:fld>
             <a:endParaRPr lang="en-GB"/>
           </a:p>
@@ -2929,7 +2934,7 @@
           <a:p>
             <a:fld id="{BFF93719-C86A-462A-9DF8-D244860981F9}" type="datetimeFigureOut">
               <a:rPr lang="en-GB" smtClean="0"/>
-              <a:t>02/04/2025</a:t>
+              <a:t>29/04/2025</a:t>
             </a:fld>
             <a:endParaRPr lang="en-GB"/>
           </a:p>

--- a/Individual Journey (70%)/What i have to do.pptx
+++ b/Individual Journey (70%)/What i have to do.pptx
@@ -265,7 +265,7 @@
           <a:p>
             <a:fld id="{BFF93719-C86A-462A-9DF8-D244860981F9}" type="datetimeFigureOut">
               <a:rPr lang="en-GB" smtClean="0"/>
-              <a:t>29/04/2025</a:t>
+              <a:t>03/05/2025</a:t>
             </a:fld>
             <a:endParaRPr lang="en-GB"/>
           </a:p>
@@ -465,7 +465,7 @@
           <a:p>
             <a:fld id="{BFF93719-C86A-462A-9DF8-D244860981F9}" type="datetimeFigureOut">
               <a:rPr lang="en-GB" smtClean="0"/>
-              <a:t>29/04/2025</a:t>
+              <a:t>03/05/2025</a:t>
             </a:fld>
             <a:endParaRPr lang="en-GB"/>
           </a:p>
@@ -675,7 +675,7 @@
           <a:p>
             <a:fld id="{BFF93719-C86A-462A-9DF8-D244860981F9}" type="datetimeFigureOut">
               <a:rPr lang="en-GB" smtClean="0"/>
-              <a:t>29/04/2025</a:t>
+              <a:t>03/05/2025</a:t>
             </a:fld>
             <a:endParaRPr lang="en-GB"/>
           </a:p>
@@ -875,7 +875,7 @@
           <a:p>
             <a:fld id="{BFF93719-C86A-462A-9DF8-D244860981F9}" type="datetimeFigureOut">
               <a:rPr lang="en-GB" smtClean="0"/>
-              <a:t>29/04/2025</a:t>
+              <a:t>03/05/2025</a:t>
             </a:fld>
             <a:endParaRPr lang="en-GB"/>
           </a:p>
@@ -1151,7 +1151,7 @@
           <a:p>
             <a:fld id="{BFF93719-C86A-462A-9DF8-D244860981F9}" type="datetimeFigureOut">
               <a:rPr lang="en-GB" smtClean="0"/>
-              <a:t>29/04/2025</a:t>
+              <a:t>03/05/2025</a:t>
             </a:fld>
             <a:endParaRPr lang="en-GB"/>
           </a:p>
@@ -1419,7 +1419,7 @@
           <a:p>
             <a:fld id="{BFF93719-C86A-462A-9DF8-D244860981F9}" type="datetimeFigureOut">
               <a:rPr lang="en-GB" smtClean="0"/>
-              <a:t>29/04/2025</a:t>
+              <a:t>03/05/2025</a:t>
             </a:fld>
             <a:endParaRPr lang="en-GB"/>
           </a:p>
@@ -1834,7 +1834,7 @@
           <a:p>
             <a:fld id="{BFF93719-C86A-462A-9DF8-D244860981F9}" type="datetimeFigureOut">
               <a:rPr lang="en-GB" smtClean="0"/>
-              <a:t>29/04/2025</a:t>
+              <a:t>03/05/2025</a:t>
             </a:fld>
             <a:endParaRPr lang="en-GB"/>
           </a:p>
@@ -1976,7 +1976,7 @@
           <a:p>
             <a:fld id="{BFF93719-C86A-462A-9DF8-D244860981F9}" type="datetimeFigureOut">
               <a:rPr lang="en-GB" smtClean="0"/>
-              <a:t>29/04/2025</a:t>
+              <a:t>03/05/2025</a:t>
             </a:fld>
             <a:endParaRPr lang="en-GB"/>
           </a:p>
@@ -2089,7 +2089,7 @@
           <a:p>
             <a:fld id="{BFF93719-C86A-462A-9DF8-D244860981F9}" type="datetimeFigureOut">
               <a:rPr lang="en-GB" smtClean="0"/>
-              <a:t>29/04/2025</a:t>
+              <a:t>03/05/2025</a:t>
             </a:fld>
             <a:endParaRPr lang="en-GB"/>
           </a:p>
@@ -2402,7 +2402,7 @@
           <a:p>
             <a:fld id="{BFF93719-C86A-462A-9DF8-D244860981F9}" type="datetimeFigureOut">
               <a:rPr lang="en-GB" smtClean="0"/>
-              <a:t>29/04/2025</a:t>
+              <a:t>03/05/2025</a:t>
             </a:fld>
             <a:endParaRPr lang="en-GB"/>
           </a:p>
@@ -2691,7 +2691,7 @@
           <a:p>
             <a:fld id="{BFF93719-C86A-462A-9DF8-D244860981F9}" type="datetimeFigureOut">
               <a:rPr lang="en-GB" smtClean="0"/>
-              <a:t>29/04/2025</a:t>
+              <a:t>03/05/2025</a:t>
             </a:fld>
             <a:endParaRPr lang="en-GB"/>
           </a:p>
@@ -2934,7 +2934,7 @@
           <a:p>
             <a:fld id="{BFF93719-C86A-462A-9DF8-D244860981F9}" type="datetimeFigureOut">
               <a:rPr lang="en-GB" smtClean="0"/>
-              <a:t>29/04/2025</a:t>
+              <a:t>03/05/2025</a:t>
             </a:fld>
             <a:endParaRPr lang="en-GB"/>
           </a:p>

--- a/Individual Journey (70%)/What i have to do.pptx
+++ b/Individual Journey (70%)/What i have to do.pptx
@@ -6,10 +6,11 @@
   </p:sldMasterIdLst>
   <p:sldIdLst>
     <p:sldId id="256" r:id="rId2"/>
-    <p:sldId id="257" r:id="rId3"/>
-    <p:sldId id="258" r:id="rId4"/>
-    <p:sldId id="259" r:id="rId5"/>
-    <p:sldId id="260" r:id="rId6"/>
+    <p:sldId id="261" r:id="rId3"/>
+    <p:sldId id="257" r:id="rId4"/>
+    <p:sldId id="258" r:id="rId5"/>
+    <p:sldId id="259" r:id="rId6"/>
+    <p:sldId id="260" r:id="rId7"/>
   </p:sldIdLst>
   <p:sldSz cx="12192000" cy="6858000"/>
   <p:notesSz cx="6858000" cy="9144000"/>
@@ -265,7 +266,7 @@
           <a:p>
             <a:fld id="{BFF93719-C86A-462A-9DF8-D244860981F9}" type="datetimeFigureOut">
               <a:rPr lang="en-GB" smtClean="0"/>
-              <a:t>03/05/2025</a:t>
+              <a:t>04/05/2025</a:t>
             </a:fld>
             <a:endParaRPr lang="en-GB"/>
           </a:p>
@@ -465,7 +466,7 @@
           <a:p>
             <a:fld id="{BFF93719-C86A-462A-9DF8-D244860981F9}" type="datetimeFigureOut">
               <a:rPr lang="en-GB" smtClean="0"/>
-              <a:t>03/05/2025</a:t>
+              <a:t>04/05/2025</a:t>
             </a:fld>
             <a:endParaRPr lang="en-GB"/>
           </a:p>
@@ -675,7 +676,7 @@
           <a:p>
             <a:fld id="{BFF93719-C86A-462A-9DF8-D244860981F9}" type="datetimeFigureOut">
               <a:rPr lang="en-GB" smtClean="0"/>
-              <a:t>03/05/2025</a:t>
+              <a:t>04/05/2025</a:t>
             </a:fld>
             <a:endParaRPr lang="en-GB"/>
           </a:p>
@@ -875,7 +876,7 @@
           <a:p>
             <a:fld id="{BFF93719-C86A-462A-9DF8-D244860981F9}" type="datetimeFigureOut">
               <a:rPr lang="en-GB" smtClean="0"/>
-              <a:t>03/05/2025</a:t>
+              <a:t>04/05/2025</a:t>
             </a:fld>
             <a:endParaRPr lang="en-GB"/>
           </a:p>
@@ -1151,7 +1152,7 @@
           <a:p>
             <a:fld id="{BFF93719-C86A-462A-9DF8-D244860981F9}" type="datetimeFigureOut">
               <a:rPr lang="en-GB" smtClean="0"/>
-              <a:t>03/05/2025</a:t>
+              <a:t>04/05/2025</a:t>
             </a:fld>
             <a:endParaRPr lang="en-GB"/>
           </a:p>
@@ -1419,7 +1420,7 @@
           <a:p>
             <a:fld id="{BFF93719-C86A-462A-9DF8-D244860981F9}" type="datetimeFigureOut">
               <a:rPr lang="en-GB" smtClean="0"/>
-              <a:t>03/05/2025</a:t>
+              <a:t>04/05/2025</a:t>
             </a:fld>
             <a:endParaRPr lang="en-GB"/>
           </a:p>
@@ -1834,7 +1835,7 @@
           <a:p>
             <a:fld id="{BFF93719-C86A-462A-9DF8-D244860981F9}" type="datetimeFigureOut">
               <a:rPr lang="en-GB" smtClean="0"/>
-              <a:t>03/05/2025</a:t>
+              <a:t>04/05/2025</a:t>
             </a:fld>
             <a:endParaRPr lang="en-GB"/>
           </a:p>
@@ -1976,7 +1977,7 @@
           <a:p>
             <a:fld id="{BFF93719-C86A-462A-9DF8-D244860981F9}" type="datetimeFigureOut">
               <a:rPr lang="en-GB" smtClean="0"/>
-              <a:t>03/05/2025</a:t>
+              <a:t>04/05/2025</a:t>
             </a:fld>
             <a:endParaRPr lang="en-GB"/>
           </a:p>
@@ -2089,7 +2090,7 @@
           <a:p>
             <a:fld id="{BFF93719-C86A-462A-9DF8-D244860981F9}" type="datetimeFigureOut">
               <a:rPr lang="en-GB" smtClean="0"/>
-              <a:t>03/05/2025</a:t>
+              <a:t>04/05/2025</a:t>
             </a:fld>
             <a:endParaRPr lang="en-GB"/>
           </a:p>
@@ -2402,7 +2403,7 @@
           <a:p>
             <a:fld id="{BFF93719-C86A-462A-9DF8-D244860981F9}" type="datetimeFigureOut">
               <a:rPr lang="en-GB" smtClean="0"/>
-              <a:t>03/05/2025</a:t>
+              <a:t>04/05/2025</a:t>
             </a:fld>
             <a:endParaRPr lang="en-GB"/>
           </a:p>
@@ -2691,7 +2692,7 @@
           <a:p>
             <a:fld id="{BFF93719-C86A-462A-9DF8-D244860981F9}" type="datetimeFigureOut">
               <a:rPr lang="en-GB" smtClean="0"/>
-              <a:t>03/05/2025</a:t>
+              <a:t>04/05/2025</a:t>
             </a:fld>
             <a:endParaRPr lang="en-GB"/>
           </a:p>
@@ -2934,7 +2935,7 @@
           <a:p>
             <a:fld id="{BFF93719-C86A-462A-9DF8-D244860981F9}" type="datetimeFigureOut">
               <a:rPr lang="en-GB" smtClean="0"/>
-              <a:t>03/05/2025</a:t>
+              <a:t>04/05/2025</a:t>
             </a:fld>
             <a:endParaRPr lang="en-GB"/>
           </a:p>
@@ -3416,7 +3417,7 @@
           <p:cNvPr id="2" name="Title 1">
             <a:extLst>
               <a:ext uri="{FF2B5EF4-FFF2-40B4-BE49-F238E27FC236}">
-                <a16:creationId xmlns:a16="http://schemas.microsoft.com/office/drawing/2014/main" id="{2AFD8852-8374-535F-A466-EABC7A6508A8}"/>
+                <a16:creationId xmlns:a16="http://schemas.microsoft.com/office/drawing/2014/main" id="{2492E9ED-C44A-6B29-359F-5FD2B4895F39}"/>
               </a:ext>
             </a:extLst>
           </p:cNvPr>
@@ -3432,61 +3433,62 @@
           <a:bodyPr/>
           <a:lstStyle/>
           <a:p>
+            <a:endParaRPr lang="en-GB" dirty="0"/>
+          </a:p>
+        </p:txBody>
+      </p:sp>
+      <p:sp>
+        <p:nvSpPr>
+          <p:cNvPr id="3" name="Content Placeholder 2">
+            <a:extLst>
+              <a:ext uri="{FF2B5EF4-FFF2-40B4-BE49-F238E27FC236}">
+                <a16:creationId xmlns:a16="http://schemas.microsoft.com/office/drawing/2014/main" id="{D893B1AA-44E9-9A4F-B61C-A4078008477D}"/>
+              </a:ext>
+            </a:extLst>
+          </p:cNvPr>
+          <p:cNvSpPr>
+            <a:spLocks noGrp="1"/>
+          </p:cNvSpPr>
+          <p:nvPr>
+            <p:ph idx="1"/>
+          </p:nvPr>
+        </p:nvSpPr>
+        <p:spPr/>
+        <p:txBody>
+          <a:bodyPr/>
+          <a:lstStyle/>
+          <a:p>
             <a:r>
               <a:rPr lang="en-GB" dirty="0"/>
-              <a:t>Some basics</a:t>
-            </a:r>
-          </a:p>
-        </p:txBody>
-      </p:sp>
-      <p:sp>
-        <p:nvSpPr>
-          <p:cNvPr id="3" name="Content Placeholder 2">
-            <a:extLst>
-              <a:ext uri="{FF2B5EF4-FFF2-40B4-BE49-F238E27FC236}">
-                <a16:creationId xmlns:a16="http://schemas.microsoft.com/office/drawing/2014/main" id="{202DFC5A-2F6B-8C08-0F49-C161A50F951C}"/>
-              </a:ext>
-            </a:extLst>
-          </p:cNvPr>
-          <p:cNvSpPr>
-            <a:spLocks noGrp="1"/>
-          </p:cNvSpPr>
-          <p:nvPr>
-            <p:ph idx="1"/>
-          </p:nvPr>
-        </p:nvSpPr>
-        <p:spPr/>
-        <p:txBody>
-          <a:bodyPr/>
-          <a:lstStyle/>
+              <a:t>Talk about trailer . Added to itch in report </a:t>
+            </a:r>
+          </a:p>
           <a:p>
             <a:r>
               <a:rPr lang="en-GB" dirty="0"/>
-              <a:t>Trello </a:t>
+              <a:t>Trello</a:t>
             </a:r>
           </a:p>
           <a:p>
             <a:r>
               <a:rPr lang="en-GB" dirty="0"/>
-              <a:t>Organised folders</a:t>
+              <a:t>Make sure all content is in repo </a:t>
             </a:r>
           </a:p>
           <a:p>
             <a:r>
               <a:rPr lang="en-GB" dirty="0"/>
-              <a:t>Update tracking tools</a:t>
-            </a:r>
-          </a:p>
-          <a:p>
+              <a:t>Vide compression etc</a:t>
+            </a:r>
+          </a:p>
+          <a:p>
+            <a:r>
+              <a:rPr lang="en-GB" dirty="0" err="1"/>
+              <a:t>Onedrive</a:t>
+            </a:r>
             <a:r>
               <a:rPr lang="en-GB" dirty="0"/>
-              <a:t>Refer to feedback </a:t>
-            </a:r>
-          </a:p>
-          <a:p>
-            <a:r>
-              <a:rPr lang="en-GB" dirty="0"/>
-              <a:t>Make sure to follow brief carefully check up on the elaborate step or whatever , talk about good bad what to change etc</a:t>
+              <a:t>? </a:t>
             </a:r>
           </a:p>
         </p:txBody>
@@ -3494,7 +3496,7 @@
     </p:spTree>
     <p:extLst>
       <p:ext uri="{BB962C8B-B14F-4D97-AF65-F5344CB8AC3E}">
-        <p14:creationId xmlns:p14="http://schemas.microsoft.com/office/powerpoint/2010/main" val="3597819190"/>
+        <p14:creationId xmlns:p14="http://schemas.microsoft.com/office/powerpoint/2010/main" val="565254726"/>
       </p:ext>
     </p:extLst>
   </p:cSld>
@@ -3526,7 +3528,7 @@
           <p:cNvPr id="2" name="Title 1">
             <a:extLst>
               <a:ext uri="{FF2B5EF4-FFF2-40B4-BE49-F238E27FC236}">
-                <a16:creationId xmlns:a16="http://schemas.microsoft.com/office/drawing/2014/main" id="{20CE52B0-4413-BFFA-538C-6C920CF9701A}"/>
+                <a16:creationId xmlns:a16="http://schemas.microsoft.com/office/drawing/2014/main" id="{2AFD8852-8374-535F-A466-EABC7A6508A8}"/>
               </a:ext>
             </a:extLst>
           </p:cNvPr>
@@ -3544,7 +3546,7 @@
           <a:p>
             <a:r>
               <a:rPr lang="en-GB" dirty="0"/>
-              <a:t>Journey Pitch ( about 7 – 10 mins)</a:t>
+              <a:t>Some basics</a:t>
             </a:r>
           </a:p>
         </p:txBody>
@@ -3554,7 +3556,7 @@
           <p:cNvPr id="3" name="Content Placeholder 2">
             <a:extLst>
               <a:ext uri="{FF2B5EF4-FFF2-40B4-BE49-F238E27FC236}">
-                <a16:creationId xmlns:a16="http://schemas.microsoft.com/office/drawing/2014/main" id="{6D80849F-B40C-05D3-A2B5-771C80636F60}"/>
+                <a16:creationId xmlns:a16="http://schemas.microsoft.com/office/drawing/2014/main" id="{202DFC5A-2F6B-8C08-0F49-C161A50F951C}"/>
               </a:ext>
             </a:extLst>
           </p:cNvPr>
@@ -3570,176 +3572,41 @@
           <a:bodyPr/>
           <a:lstStyle/>
           <a:p>
-            <a:pPr marL="342900" marR="36195" lvl="0" indent="-342900" fontAlgn="base">
-              <a:lnSpc>
-                <a:spcPct val="111000"/>
-              </a:lnSpc>
-              <a:spcAft>
-                <a:spcPts val="20"/>
-              </a:spcAft>
-              <a:buClr>
-                <a:srgbClr val="000000"/>
-              </a:buClr>
-              <a:buSzPts val="1100"/>
-              <a:buFont typeface="Arial" panose="020B0604020202020204" pitchFamily="34" charset="0"/>
-              <a:buChar char="•"/>
-            </a:pPr>
-            <a:r>
-              <a:rPr lang="en-GB" sz="1800" u="none" strike="noStrike" dirty="0">
-                <a:solidFill>
-                  <a:srgbClr val="000000"/>
-                </a:solidFill>
-                <a:effectLst/>
-                <a:uFill>
-                  <a:solidFill>
-                    <a:srgbClr val="000000"/>
-                  </a:solidFill>
-                </a:uFill>
-                <a:latin typeface="Arial" panose="020B0604020202020204" pitchFamily="34" charset="0"/>
-                <a:ea typeface="Arial" panose="020B0604020202020204" pitchFamily="34" charset="0"/>
-                <a:cs typeface="Arial" panose="020B0604020202020204" pitchFamily="34" charset="0"/>
-              </a:rPr>
-              <a:t>Your strategy for industry engagement  </a:t>
-            </a:r>
-          </a:p>
-          <a:p>
-            <a:pPr marL="342900" marR="36195" lvl="0" indent="-342900" fontAlgn="base">
-              <a:lnSpc>
-                <a:spcPct val="111000"/>
-              </a:lnSpc>
-              <a:spcAft>
-                <a:spcPts val="20"/>
-              </a:spcAft>
-              <a:buClr>
-                <a:srgbClr val="000000"/>
-              </a:buClr>
-              <a:buSzPts val="1100"/>
-              <a:buFont typeface="Arial" panose="020B0604020202020204" pitchFamily="34" charset="0"/>
-              <a:buChar char="•"/>
-            </a:pPr>
-            <a:r>
-              <a:rPr lang="en-GB" sz="1800" u="none" strike="noStrike" dirty="0">
-                <a:solidFill>
-                  <a:srgbClr val="000000"/>
-                </a:solidFill>
-                <a:effectLst/>
-                <a:uFill>
-                  <a:solidFill>
-                    <a:srgbClr val="000000"/>
-                  </a:solidFill>
-                </a:uFill>
-                <a:latin typeface="Arial" panose="020B0604020202020204" pitchFamily="34" charset="0"/>
-                <a:ea typeface="Arial" panose="020B0604020202020204" pitchFamily="34" charset="0"/>
-                <a:cs typeface="Arial" panose="020B0604020202020204" pitchFamily="34" charset="0"/>
-              </a:rPr>
-              <a:t>Analysis and reflection of strategy implementation </a:t>
-            </a:r>
-          </a:p>
-          <a:p>
-            <a:r>
-              <a:rPr lang="en-GB" sz="1800" dirty="0">
-                <a:solidFill>
-                  <a:srgbClr val="000000"/>
-                </a:solidFill>
-                <a:effectLst/>
-                <a:latin typeface="Calibri" panose="020F0502020204030204" pitchFamily="34" charset="0"/>
-                <a:ea typeface="Calibri" panose="020F0502020204030204" pitchFamily="34" charset="0"/>
-              </a:rPr>
-              <a:t>highlight the initial strategy identified using smart objectives, outline action taken, roadmap planned, key milestones achieved and external interest or recognition of the process/product. </a:t>
-            </a:r>
-          </a:p>
-          <a:p>
-            <a:r>
-              <a:rPr lang="en-GB" sz="1800" dirty="0">
-                <a:solidFill>
-                  <a:srgbClr val="000000"/>
-                </a:solidFill>
-                <a:effectLst/>
-                <a:latin typeface="Calibri" panose="020F0502020204030204" pitchFamily="34" charset="0"/>
-                <a:ea typeface="Calibri" panose="020F0502020204030204" pitchFamily="34" charset="0"/>
-              </a:rPr>
-              <a:t>Use appropriate screen captures, event documentation to convey your ‘journey’ concluding with status of product. </a:t>
-            </a:r>
-            <a:endParaRPr lang="en-GB" sz="1800" dirty="0">
-              <a:solidFill>
-                <a:srgbClr val="000000"/>
-              </a:solidFill>
-              <a:latin typeface="Calibri" panose="020F0502020204030204" pitchFamily="34" charset="0"/>
-              <a:ea typeface="Calibri" panose="020F0502020204030204" pitchFamily="34" charset="0"/>
-            </a:endParaRPr>
-          </a:p>
-          <a:p>
-            <a:r>
-              <a:rPr lang="en-GB" sz="1800" dirty="0">
-                <a:solidFill>
-                  <a:srgbClr val="000000"/>
-                </a:solidFill>
-                <a:effectLst/>
-                <a:latin typeface="Calibri" panose="020F0502020204030204" pitchFamily="34" charset="0"/>
-                <a:ea typeface="Calibri" panose="020F0502020204030204" pitchFamily="34" charset="0"/>
-              </a:rPr>
-              <a:t>This may include downloaded stats (</a:t>
-            </a:r>
-            <a:r>
-              <a:rPr lang="en-GB" sz="1800" dirty="0">
-                <a:solidFill>
-                  <a:srgbClr val="000000"/>
-                </a:solidFill>
-                <a:effectLst/>
-                <a:highlight>
-                  <a:srgbClr val="FFFF00"/>
-                </a:highlight>
-                <a:latin typeface="Calibri" panose="020F0502020204030204" pitchFamily="34" charset="0"/>
-                <a:ea typeface="Calibri" panose="020F0502020204030204" pitchFamily="34" charset="0"/>
-              </a:rPr>
-              <a:t>ITCH GAME JAMS</a:t>
-            </a:r>
-            <a:r>
-              <a:rPr lang="en-GB" sz="1800" dirty="0">
-                <a:solidFill>
-                  <a:srgbClr val="000000"/>
-                </a:solidFill>
-                <a:effectLst/>
-                <a:latin typeface="Calibri" panose="020F0502020204030204" pitchFamily="34" charset="0"/>
-                <a:ea typeface="Calibri" panose="020F0502020204030204" pitchFamily="34" charset="0"/>
-              </a:rPr>
-              <a:t>), reviews(</a:t>
-            </a:r>
-            <a:r>
-              <a:rPr lang="en-GB" sz="1800" dirty="0">
-                <a:solidFill>
-                  <a:srgbClr val="000000"/>
-                </a:solidFill>
-                <a:effectLst/>
-                <a:highlight>
-                  <a:srgbClr val="FFFF00"/>
-                </a:highlight>
-                <a:latin typeface="Calibri" panose="020F0502020204030204" pitchFamily="34" charset="0"/>
-                <a:ea typeface="Calibri" panose="020F0502020204030204" pitchFamily="34" charset="0"/>
-              </a:rPr>
-              <a:t>ITCH GAME JAMS</a:t>
-            </a:r>
-            <a:r>
-              <a:rPr lang="en-GB" sz="1800" dirty="0">
-                <a:solidFill>
-                  <a:srgbClr val="000000"/>
-                </a:solidFill>
-                <a:effectLst/>
-                <a:latin typeface="Calibri" panose="020F0502020204030204" pitchFamily="34" charset="0"/>
-                <a:ea typeface="Calibri" panose="020F0502020204030204" pitchFamily="34" charset="0"/>
-              </a:rPr>
-              <a:t>), exposure achieved etc. Normally this will also include using the various module processes; mind map, SWOT, timeline etc. Remember to inset at a size and resolution where the data can be clearly seen!   </a:t>
-            </a:r>
-          </a:p>
-          <a:p>
-            <a:endParaRPr lang="en-GB" dirty="0"/>
+            <a:r>
+              <a:rPr lang="en-GB" dirty="0"/>
+              <a:t>Trello </a:t>
+            </a:r>
+          </a:p>
+          <a:p>
+            <a:r>
+              <a:rPr lang="en-GB" dirty="0"/>
+              <a:t>Organised folders</a:t>
+            </a:r>
+          </a:p>
+          <a:p>
+            <a:r>
+              <a:rPr lang="en-GB" dirty="0"/>
+              <a:t>Update tracking tools</a:t>
+            </a:r>
+          </a:p>
+          <a:p>
+            <a:r>
+              <a:rPr lang="en-GB" dirty="0"/>
+              <a:t>Refer to feedback </a:t>
+            </a:r>
+          </a:p>
+          <a:p>
+            <a:r>
+              <a:rPr lang="en-GB" dirty="0"/>
+              <a:t>Make sure to follow brief carefully check up on the elaborate step or whatever , talk about good bad what to change etc</a:t>
+            </a:r>
           </a:p>
         </p:txBody>
       </p:sp>
     </p:spTree>
     <p:extLst>
       <p:ext uri="{BB962C8B-B14F-4D97-AF65-F5344CB8AC3E}">
-        <p14:creationId xmlns:p14="http://schemas.microsoft.com/office/powerpoint/2010/main" val="1128679949"/>
+        <p14:creationId xmlns:p14="http://schemas.microsoft.com/office/powerpoint/2010/main" val="3597819190"/>
       </p:ext>
     </p:extLst>
   </p:cSld>
@@ -3768,6 +3635,251 @@
       </p:grpSpPr>
       <p:sp>
         <p:nvSpPr>
+          <p:cNvPr id="2" name="Title 1">
+            <a:extLst>
+              <a:ext uri="{FF2B5EF4-FFF2-40B4-BE49-F238E27FC236}">
+                <a16:creationId xmlns:a16="http://schemas.microsoft.com/office/drawing/2014/main" id="{20CE52B0-4413-BFFA-538C-6C920CF9701A}"/>
+              </a:ext>
+            </a:extLst>
+          </p:cNvPr>
+          <p:cNvSpPr>
+            <a:spLocks noGrp="1"/>
+          </p:cNvSpPr>
+          <p:nvPr>
+            <p:ph type="title"/>
+          </p:nvPr>
+        </p:nvSpPr>
+        <p:spPr/>
+        <p:txBody>
+          <a:bodyPr/>
+          <a:lstStyle/>
+          <a:p>
+            <a:r>
+              <a:rPr lang="en-GB" dirty="0"/>
+              <a:t>Journey Pitch ( about 7 – 10 mins)</a:t>
+            </a:r>
+          </a:p>
+        </p:txBody>
+      </p:sp>
+      <p:sp>
+        <p:nvSpPr>
+          <p:cNvPr id="3" name="Content Placeholder 2">
+            <a:extLst>
+              <a:ext uri="{FF2B5EF4-FFF2-40B4-BE49-F238E27FC236}">
+                <a16:creationId xmlns:a16="http://schemas.microsoft.com/office/drawing/2014/main" id="{6D80849F-B40C-05D3-A2B5-771C80636F60}"/>
+              </a:ext>
+            </a:extLst>
+          </p:cNvPr>
+          <p:cNvSpPr>
+            <a:spLocks noGrp="1"/>
+          </p:cNvSpPr>
+          <p:nvPr>
+            <p:ph idx="1"/>
+          </p:nvPr>
+        </p:nvSpPr>
+        <p:spPr/>
+        <p:txBody>
+          <a:bodyPr/>
+          <a:lstStyle/>
+          <a:p>
+            <a:pPr marL="342900" marR="36195" lvl="0" indent="-342900" fontAlgn="base">
+              <a:lnSpc>
+                <a:spcPct val="111000"/>
+              </a:lnSpc>
+              <a:spcAft>
+                <a:spcPts val="20"/>
+              </a:spcAft>
+              <a:buClr>
+                <a:srgbClr val="000000"/>
+              </a:buClr>
+              <a:buSzPts val="1100"/>
+              <a:buFont typeface="Arial" panose="020B0604020202020204" pitchFamily="34" charset="0"/>
+              <a:buChar char="•"/>
+            </a:pPr>
+            <a:r>
+              <a:rPr lang="en-GB" sz="1800" u="none" strike="noStrike" dirty="0">
+                <a:solidFill>
+                  <a:srgbClr val="000000"/>
+                </a:solidFill>
+                <a:effectLst/>
+                <a:uFill>
+                  <a:solidFill>
+                    <a:srgbClr val="000000"/>
+                  </a:solidFill>
+                </a:uFill>
+                <a:latin typeface="Arial" panose="020B0604020202020204" pitchFamily="34" charset="0"/>
+                <a:ea typeface="Arial" panose="020B0604020202020204" pitchFamily="34" charset="0"/>
+                <a:cs typeface="Arial" panose="020B0604020202020204" pitchFamily="34" charset="0"/>
+              </a:rPr>
+              <a:t>Your strategy for industry engagement  </a:t>
+            </a:r>
+          </a:p>
+          <a:p>
+            <a:pPr marL="342900" marR="36195" lvl="0" indent="-342900" fontAlgn="base">
+              <a:lnSpc>
+                <a:spcPct val="111000"/>
+              </a:lnSpc>
+              <a:spcAft>
+                <a:spcPts val="20"/>
+              </a:spcAft>
+              <a:buClr>
+                <a:srgbClr val="000000"/>
+              </a:buClr>
+              <a:buSzPts val="1100"/>
+              <a:buFont typeface="Arial" panose="020B0604020202020204" pitchFamily="34" charset="0"/>
+              <a:buChar char="•"/>
+            </a:pPr>
+            <a:r>
+              <a:rPr lang="en-GB" sz="1800" u="none" strike="noStrike" dirty="0">
+                <a:solidFill>
+                  <a:srgbClr val="000000"/>
+                </a:solidFill>
+                <a:effectLst/>
+                <a:uFill>
+                  <a:solidFill>
+                    <a:srgbClr val="000000"/>
+                  </a:solidFill>
+                </a:uFill>
+                <a:latin typeface="Arial" panose="020B0604020202020204" pitchFamily="34" charset="0"/>
+                <a:ea typeface="Arial" panose="020B0604020202020204" pitchFamily="34" charset="0"/>
+                <a:cs typeface="Arial" panose="020B0604020202020204" pitchFamily="34" charset="0"/>
+              </a:rPr>
+              <a:t>Analysis and reflection of strategy implementation </a:t>
+            </a:r>
+          </a:p>
+          <a:p>
+            <a:r>
+              <a:rPr lang="en-GB" sz="1800" dirty="0">
+                <a:solidFill>
+                  <a:srgbClr val="000000"/>
+                </a:solidFill>
+                <a:effectLst/>
+                <a:latin typeface="Calibri" panose="020F0502020204030204" pitchFamily="34" charset="0"/>
+                <a:ea typeface="Calibri" panose="020F0502020204030204" pitchFamily="34" charset="0"/>
+              </a:rPr>
+              <a:t>highlight the initial strategy identified using smart objectives, outline action taken, roadmap planned, key milestones achieved and external interest or recognition of the process/product. </a:t>
+            </a:r>
+          </a:p>
+          <a:p>
+            <a:r>
+              <a:rPr lang="en-GB" sz="1800" dirty="0">
+                <a:solidFill>
+                  <a:srgbClr val="000000"/>
+                </a:solidFill>
+                <a:effectLst/>
+                <a:latin typeface="Calibri" panose="020F0502020204030204" pitchFamily="34" charset="0"/>
+                <a:ea typeface="Calibri" panose="020F0502020204030204" pitchFamily="34" charset="0"/>
+              </a:rPr>
+              <a:t>Use appropriate screen captures, event documentation to convey your ‘journey’ concluding with status of product. </a:t>
+            </a:r>
+            <a:endParaRPr lang="en-GB" sz="1800" dirty="0">
+              <a:solidFill>
+                <a:srgbClr val="000000"/>
+              </a:solidFill>
+              <a:latin typeface="Calibri" panose="020F0502020204030204" pitchFamily="34" charset="0"/>
+              <a:ea typeface="Calibri" panose="020F0502020204030204" pitchFamily="34" charset="0"/>
+            </a:endParaRPr>
+          </a:p>
+          <a:p>
+            <a:r>
+              <a:rPr lang="en-GB" sz="1800" dirty="0">
+                <a:solidFill>
+                  <a:srgbClr val="000000"/>
+                </a:solidFill>
+                <a:effectLst/>
+                <a:latin typeface="Calibri" panose="020F0502020204030204" pitchFamily="34" charset="0"/>
+                <a:ea typeface="Calibri" panose="020F0502020204030204" pitchFamily="34" charset="0"/>
+              </a:rPr>
+              <a:t>This may include downloaded stats (</a:t>
+            </a:r>
+            <a:r>
+              <a:rPr lang="en-GB" sz="1800" dirty="0">
+                <a:solidFill>
+                  <a:srgbClr val="000000"/>
+                </a:solidFill>
+                <a:effectLst/>
+                <a:highlight>
+                  <a:srgbClr val="FFFF00"/>
+                </a:highlight>
+                <a:latin typeface="Calibri" panose="020F0502020204030204" pitchFamily="34" charset="0"/>
+                <a:ea typeface="Calibri" panose="020F0502020204030204" pitchFamily="34" charset="0"/>
+              </a:rPr>
+              <a:t>ITCH GAME JAMS</a:t>
+            </a:r>
+            <a:r>
+              <a:rPr lang="en-GB" sz="1800" dirty="0">
+                <a:solidFill>
+                  <a:srgbClr val="000000"/>
+                </a:solidFill>
+                <a:effectLst/>
+                <a:latin typeface="Calibri" panose="020F0502020204030204" pitchFamily="34" charset="0"/>
+                <a:ea typeface="Calibri" panose="020F0502020204030204" pitchFamily="34" charset="0"/>
+              </a:rPr>
+              <a:t>), reviews(</a:t>
+            </a:r>
+            <a:r>
+              <a:rPr lang="en-GB" sz="1800" dirty="0">
+                <a:solidFill>
+                  <a:srgbClr val="000000"/>
+                </a:solidFill>
+                <a:effectLst/>
+                <a:highlight>
+                  <a:srgbClr val="FFFF00"/>
+                </a:highlight>
+                <a:latin typeface="Calibri" panose="020F0502020204030204" pitchFamily="34" charset="0"/>
+                <a:ea typeface="Calibri" panose="020F0502020204030204" pitchFamily="34" charset="0"/>
+              </a:rPr>
+              <a:t>ITCH GAME JAMS</a:t>
+            </a:r>
+            <a:r>
+              <a:rPr lang="en-GB" sz="1800" dirty="0">
+                <a:solidFill>
+                  <a:srgbClr val="000000"/>
+                </a:solidFill>
+                <a:effectLst/>
+                <a:latin typeface="Calibri" panose="020F0502020204030204" pitchFamily="34" charset="0"/>
+                <a:ea typeface="Calibri" panose="020F0502020204030204" pitchFamily="34" charset="0"/>
+              </a:rPr>
+              <a:t>), exposure achieved etc. Normally this will also include using the various module processes; mind map, SWOT, timeline etc. Remember to inset at a size and resolution where the data can be clearly seen!   </a:t>
+            </a:r>
+          </a:p>
+          <a:p>
+            <a:endParaRPr lang="en-GB" dirty="0"/>
+          </a:p>
+        </p:txBody>
+      </p:sp>
+    </p:spTree>
+    <p:extLst>
+      <p:ext uri="{BB962C8B-B14F-4D97-AF65-F5344CB8AC3E}">
+        <p14:creationId xmlns:p14="http://schemas.microsoft.com/office/powerpoint/2010/main" val="1128679949"/>
+      </p:ext>
+    </p:extLst>
+  </p:cSld>
+  <p:clrMapOvr>
+    <a:masterClrMapping/>
+  </p:clrMapOvr>
+</p:sld>
+</file>
+
+<file path=ppt/slides/slide5.xml><?xml version="1.0" encoding="utf-8"?>
+<p:sld xmlns:a="http://schemas.openxmlformats.org/drawingml/2006/main" xmlns:r="http://schemas.openxmlformats.org/officeDocument/2006/relationships" xmlns:p="http://schemas.openxmlformats.org/presentationml/2006/main">
+  <p:cSld>
+    <p:spTree>
+      <p:nvGrpSpPr>
+        <p:cNvPr id="1" name=""/>
+        <p:cNvGrpSpPr/>
+        <p:nvPr/>
+      </p:nvGrpSpPr>
+      <p:grpSpPr>
+        <a:xfrm>
+          <a:off x="0" y="0"/>
+          <a:ext cx="0" cy="0"/>
+          <a:chOff x="0" y="0"/>
+          <a:chExt cx="0" cy="0"/>
+        </a:xfrm>
+      </p:grpSpPr>
+      <p:sp>
+        <p:nvSpPr>
           <p:cNvPr id="3" name="Content Placeholder 2">
             <a:extLst>
               <a:ext uri="{FF2B5EF4-FFF2-40B4-BE49-F238E27FC236}">
@@ -3854,7 +3966,7 @@
 </p:sld>
 </file>
 
-<file path=ppt/slides/slide5.xml><?xml version="1.0" encoding="utf-8"?>
+<file path=ppt/slides/slide6.xml><?xml version="1.0" encoding="utf-8"?>
 <p:sld xmlns:a="http://schemas.openxmlformats.org/drawingml/2006/main" xmlns:r="http://schemas.openxmlformats.org/officeDocument/2006/relationships" xmlns:p="http://schemas.openxmlformats.org/presentationml/2006/main">
   <p:cSld>
     <p:spTree>

--- a/Individual Journey (70%)/What i have to do.pptx
+++ b/Individual Journey (70%)/What i have to do.pptx
@@ -266,7 +266,7 @@
           <a:p>
             <a:fld id="{BFF93719-C86A-462A-9DF8-D244860981F9}" type="datetimeFigureOut">
               <a:rPr lang="en-GB" smtClean="0"/>
-              <a:t>04/05/2025</a:t>
+              <a:t>05/05/2025</a:t>
             </a:fld>
             <a:endParaRPr lang="en-GB"/>
           </a:p>
@@ -466,7 +466,7 @@
           <a:p>
             <a:fld id="{BFF93719-C86A-462A-9DF8-D244860981F9}" type="datetimeFigureOut">
               <a:rPr lang="en-GB" smtClean="0"/>
-              <a:t>04/05/2025</a:t>
+              <a:t>05/05/2025</a:t>
             </a:fld>
             <a:endParaRPr lang="en-GB"/>
           </a:p>
@@ -676,7 +676,7 @@
           <a:p>
             <a:fld id="{BFF93719-C86A-462A-9DF8-D244860981F9}" type="datetimeFigureOut">
               <a:rPr lang="en-GB" smtClean="0"/>
-              <a:t>04/05/2025</a:t>
+              <a:t>05/05/2025</a:t>
             </a:fld>
             <a:endParaRPr lang="en-GB"/>
           </a:p>
@@ -876,7 +876,7 @@
           <a:p>
             <a:fld id="{BFF93719-C86A-462A-9DF8-D244860981F9}" type="datetimeFigureOut">
               <a:rPr lang="en-GB" smtClean="0"/>
-              <a:t>04/05/2025</a:t>
+              <a:t>05/05/2025</a:t>
             </a:fld>
             <a:endParaRPr lang="en-GB"/>
           </a:p>
@@ -1152,7 +1152,7 @@
           <a:p>
             <a:fld id="{BFF93719-C86A-462A-9DF8-D244860981F9}" type="datetimeFigureOut">
               <a:rPr lang="en-GB" smtClean="0"/>
-              <a:t>04/05/2025</a:t>
+              <a:t>05/05/2025</a:t>
             </a:fld>
             <a:endParaRPr lang="en-GB"/>
           </a:p>
@@ -1420,7 +1420,7 @@
           <a:p>
             <a:fld id="{BFF93719-C86A-462A-9DF8-D244860981F9}" type="datetimeFigureOut">
               <a:rPr lang="en-GB" smtClean="0"/>
-              <a:t>04/05/2025</a:t>
+              <a:t>05/05/2025</a:t>
             </a:fld>
             <a:endParaRPr lang="en-GB"/>
           </a:p>
@@ -1835,7 +1835,7 @@
           <a:p>
             <a:fld id="{BFF93719-C86A-462A-9DF8-D244860981F9}" type="datetimeFigureOut">
               <a:rPr lang="en-GB" smtClean="0"/>
-              <a:t>04/05/2025</a:t>
+              <a:t>05/05/2025</a:t>
             </a:fld>
             <a:endParaRPr lang="en-GB"/>
           </a:p>
@@ -1977,7 +1977,7 @@
           <a:p>
             <a:fld id="{BFF93719-C86A-462A-9DF8-D244860981F9}" type="datetimeFigureOut">
               <a:rPr lang="en-GB" smtClean="0"/>
-              <a:t>04/05/2025</a:t>
+              <a:t>05/05/2025</a:t>
             </a:fld>
             <a:endParaRPr lang="en-GB"/>
           </a:p>
@@ -2090,7 +2090,7 @@
           <a:p>
             <a:fld id="{BFF93719-C86A-462A-9DF8-D244860981F9}" type="datetimeFigureOut">
               <a:rPr lang="en-GB" smtClean="0"/>
-              <a:t>04/05/2025</a:t>
+              <a:t>05/05/2025</a:t>
             </a:fld>
             <a:endParaRPr lang="en-GB"/>
           </a:p>
@@ -2403,7 +2403,7 @@
           <a:p>
             <a:fld id="{BFF93719-C86A-462A-9DF8-D244860981F9}" type="datetimeFigureOut">
               <a:rPr lang="en-GB" smtClean="0"/>
-              <a:t>04/05/2025</a:t>
+              <a:t>05/05/2025</a:t>
             </a:fld>
             <a:endParaRPr lang="en-GB"/>
           </a:p>
@@ -2692,7 +2692,7 @@
           <a:p>
             <a:fld id="{BFF93719-C86A-462A-9DF8-D244860981F9}" type="datetimeFigureOut">
               <a:rPr lang="en-GB" smtClean="0"/>
-              <a:t>04/05/2025</a:t>
+              <a:t>05/05/2025</a:t>
             </a:fld>
             <a:endParaRPr lang="en-GB"/>
           </a:p>
@@ -2935,7 +2935,7 @@
           <a:p>
             <a:fld id="{BFF93719-C86A-462A-9DF8-D244860981F9}" type="datetimeFigureOut">
               <a:rPr lang="en-GB" smtClean="0"/>
-              <a:t>04/05/2025</a:t>
+              <a:t>05/05/2025</a:t>
             </a:fld>
             <a:endParaRPr lang="en-GB"/>
           </a:p>
@@ -3473,12 +3473,6 @@
             <a:r>
               <a:rPr lang="en-GB" dirty="0"/>
               <a:t>Make sure all content is in repo </a:t>
-            </a:r>
-          </a:p>
-          <a:p>
-            <a:r>
-              <a:rPr lang="en-GB" dirty="0"/>
-              <a:t>Vide compression etc</a:t>
             </a:r>
           </a:p>
           <a:p>
